--- a/EE/ppt/Adding transmitters dramatically boosts coded-caching gains for finite file sizes+matlab.pptx
+++ b/EE/ppt/Adding transmitters dramatically boosts coded-caching gains for finite file sizes+matlab.pptx
@@ -209,7 +209,7 @@
           <a:p>
             <a:fld id="{05E4A27D-8F84-4640-89D9-D1F193818ED4}" type="datetimeFigureOut">
               <a:rPr lang="zh-CN" altLang="en-US" smtClean="0"/>
-              <a:t>2019/8/16</a:t>
+              <a:t>2020/2/10</a:t>
             </a:fld>
             <a:endParaRPr lang="zh-CN" altLang="en-US"/>
           </a:p>
@@ -607,7 +607,7 @@
           <a:p>
             <a:fld id="{3B35E88A-0C04-4D9B-8B96-610A5A967938}" type="datetimeFigureOut">
               <a:rPr lang="zh-CN" altLang="en-US" smtClean="0"/>
-              <a:t>2019/8/16</a:t>
+              <a:t>2020/2/10</a:t>
             </a:fld>
             <a:endParaRPr lang="zh-CN" altLang="en-US"/>
           </a:p>
@@ -777,7 +777,7 @@
           <a:p>
             <a:fld id="{3B35E88A-0C04-4D9B-8B96-610A5A967938}" type="datetimeFigureOut">
               <a:rPr lang="zh-CN" altLang="en-US" smtClean="0"/>
-              <a:t>2019/8/16</a:t>
+              <a:t>2020/2/10</a:t>
             </a:fld>
             <a:endParaRPr lang="zh-CN" altLang="en-US"/>
           </a:p>
@@ -957,7 +957,7 @@
           <a:p>
             <a:fld id="{3B35E88A-0C04-4D9B-8B96-610A5A967938}" type="datetimeFigureOut">
               <a:rPr lang="zh-CN" altLang="en-US" smtClean="0"/>
-              <a:t>2019/8/16</a:t>
+              <a:t>2020/2/10</a:t>
             </a:fld>
             <a:endParaRPr lang="zh-CN" altLang="en-US"/>
           </a:p>
@@ -1127,7 +1127,7 @@
           <a:p>
             <a:fld id="{3B35E88A-0C04-4D9B-8B96-610A5A967938}" type="datetimeFigureOut">
               <a:rPr lang="zh-CN" altLang="en-US" smtClean="0"/>
-              <a:t>2019/8/16</a:t>
+              <a:t>2020/2/10</a:t>
             </a:fld>
             <a:endParaRPr lang="zh-CN" altLang="en-US"/>
           </a:p>
@@ -1373,7 +1373,7 @@
           <a:p>
             <a:fld id="{3B35E88A-0C04-4D9B-8B96-610A5A967938}" type="datetimeFigureOut">
               <a:rPr lang="zh-CN" altLang="en-US" smtClean="0"/>
-              <a:t>2019/8/16</a:t>
+              <a:t>2020/2/10</a:t>
             </a:fld>
             <a:endParaRPr lang="zh-CN" altLang="en-US"/>
           </a:p>
@@ -1605,7 +1605,7 @@
           <a:p>
             <a:fld id="{3B35E88A-0C04-4D9B-8B96-610A5A967938}" type="datetimeFigureOut">
               <a:rPr lang="zh-CN" altLang="en-US" smtClean="0"/>
-              <a:t>2019/8/16</a:t>
+              <a:t>2020/2/10</a:t>
             </a:fld>
             <a:endParaRPr lang="zh-CN" altLang="en-US"/>
           </a:p>
@@ -1972,7 +1972,7 @@
           <a:p>
             <a:fld id="{3B35E88A-0C04-4D9B-8B96-610A5A967938}" type="datetimeFigureOut">
               <a:rPr lang="zh-CN" altLang="en-US" smtClean="0"/>
-              <a:t>2019/8/16</a:t>
+              <a:t>2020/2/10</a:t>
             </a:fld>
             <a:endParaRPr lang="zh-CN" altLang="en-US"/>
           </a:p>
@@ -2090,7 +2090,7 @@
           <a:p>
             <a:fld id="{3B35E88A-0C04-4D9B-8B96-610A5A967938}" type="datetimeFigureOut">
               <a:rPr lang="zh-CN" altLang="en-US" smtClean="0"/>
-              <a:t>2019/8/16</a:t>
+              <a:t>2020/2/10</a:t>
             </a:fld>
             <a:endParaRPr lang="zh-CN" altLang="en-US"/>
           </a:p>
@@ -2185,7 +2185,7 @@
           <a:p>
             <a:fld id="{3B35E88A-0C04-4D9B-8B96-610A5A967938}" type="datetimeFigureOut">
               <a:rPr lang="zh-CN" altLang="en-US" smtClean="0"/>
-              <a:t>2019/8/16</a:t>
+              <a:t>2020/2/10</a:t>
             </a:fld>
             <a:endParaRPr lang="zh-CN" altLang="en-US"/>
           </a:p>
@@ -2462,7 +2462,7 @@
           <a:p>
             <a:fld id="{3B35E88A-0C04-4D9B-8B96-610A5A967938}" type="datetimeFigureOut">
               <a:rPr lang="zh-CN" altLang="en-US" smtClean="0"/>
-              <a:t>2019/8/16</a:t>
+              <a:t>2020/2/10</a:t>
             </a:fld>
             <a:endParaRPr lang="zh-CN" altLang="en-US"/>
           </a:p>
@@ -2719,7 +2719,7 @@
           <a:p>
             <a:fld id="{3B35E88A-0C04-4D9B-8B96-610A5A967938}" type="datetimeFigureOut">
               <a:rPr lang="zh-CN" altLang="en-US" smtClean="0"/>
-              <a:t>2019/8/16</a:t>
+              <a:t>2020/2/10</a:t>
             </a:fld>
             <a:endParaRPr lang="zh-CN" altLang="en-US"/>
           </a:p>
@@ -2932,7 +2932,7 @@
           <a:p>
             <a:fld id="{3B35E88A-0C04-4D9B-8B96-610A5A967938}" type="datetimeFigureOut">
               <a:rPr lang="zh-CN" altLang="en-US" smtClean="0"/>
-              <a:t>2019/8/16</a:t>
+              <a:t>2020/2/10</a:t>
             </a:fld>
             <a:endParaRPr lang="zh-CN" altLang="en-US"/>
           </a:p>
@@ -3662,8 +3662,8 @@
           </a:p>
         </p:txBody>
       </p:sp>
-      <mc:AlternateContent xmlns:mc="http://schemas.openxmlformats.org/markup-compatibility/2006">
-        <mc:Choice xmlns:a14="http://schemas.microsoft.com/office/drawing/2010/main" Requires="a14">
+      <mc:AlternateContent xmlns:mc="http://schemas.openxmlformats.org/markup-compatibility/2006" xmlns:a14="http://schemas.microsoft.com/office/drawing/2010/main">
+        <mc:Choice Requires="a14">
           <p:sp>
             <p:nvSpPr>
               <p:cNvPr id="6" name="文本框 5">
@@ -3809,7 +3809,7 @@
             </p:txBody>
           </p:sp>
         </mc:Choice>
-        <mc:Fallback>
+        <mc:Fallback xmlns="">
           <p:sp>
             <p:nvSpPr>
               <p:cNvPr id="6" name="文本框 5">
@@ -4013,8 +4013,8 @@
           </a:prstGeom>
         </p:spPr>
       </p:pic>
-      <mc:AlternateContent xmlns:mc="http://schemas.openxmlformats.org/markup-compatibility/2006">
-        <mc:Choice xmlns:a14="http://schemas.microsoft.com/office/drawing/2010/main" Requires="a14">
+      <mc:AlternateContent xmlns:mc="http://schemas.openxmlformats.org/markup-compatibility/2006" xmlns:a14="http://schemas.microsoft.com/office/drawing/2010/main">
+        <mc:Choice Requires="a14">
           <p:sp>
             <p:nvSpPr>
               <p:cNvPr id="7" name="文本框 6">
@@ -4464,7 +4464,7 @@
             </p:txBody>
           </p:sp>
         </mc:Choice>
-        <mc:Fallback>
+        <mc:Fallback xmlns="">
           <p:sp>
             <p:nvSpPr>
               <p:cNvPr id="7" name="文本框 6">
@@ -4579,8 +4579,8 @@
           </a:p>
         </p:txBody>
       </p:sp>
-      <mc:AlternateContent xmlns:mc="http://schemas.openxmlformats.org/markup-compatibility/2006">
-        <mc:Choice xmlns:a14="http://schemas.microsoft.com/office/drawing/2010/main" Requires="a14">
+      <mc:AlternateContent xmlns:mc="http://schemas.openxmlformats.org/markup-compatibility/2006" xmlns:a14="http://schemas.microsoft.com/office/drawing/2010/main">
+        <mc:Choice Requires="a14">
           <p:sp>
             <p:nvSpPr>
               <p:cNvPr id="9" name="文本框 8">
@@ -5313,13 +5313,7 @@
                           <a:rPr lang="en-US" altLang="zh-CN" i="1">
                             <a:latin typeface="Cambria Math" panose="02040503050406030204" pitchFamily="18" charset="0"/>
                           </a:rPr>
-                          <m:t>2,</m:t>
-                        </m:r>
-                        <m:r>
-                          <a:rPr lang="en-US" altLang="zh-CN" i="1">
-                            <a:latin typeface="Cambria Math" panose="02040503050406030204" pitchFamily="18" charset="0"/>
-                          </a:rPr>
-                          <m:t>1</m:t>
+                          <m:t>2,1</m:t>
                         </m:r>
                       </m:sub>
                     </m:sSub>
@@ -5360,13 +5354,7 @@
                           <a:rPr lang="en-US" altLang="zh-CN" i="1">
                             <a:latin typeface="Cambria Math" panose="02040503050406030204" pitchFamily="18" charset="0"/>
                           </a:rPr>
-                          <m:t>4</m:t>
-                        </m:r>
-                        <m:r>
-                          <a:rPr lang="en-US" altLang="zh-CN" i="1">
-                            <a:latin typeface="Cambria Math" panose="02040503050406030204" pitchFamily="18" charset="0"/>
-                          </a:rPr>
-                          <m:t>,1</m:t>
+                          <m:t>4,1</m:t>
                         </m:r>
                       </m:sub>
                     </m:sSub>
@@ -5574,19 +5562,7 @@
                           <a:rPr lang="en-US" altLang="zh-CN" i="1">
                             <a:latin typeface="Cambria Math" panose="02040503050406030204" pitchFamily="18" charset="0"/>
                           </a:rPr>
-                          <m:t>1</m:t>
-                        </m:r>
-                        <m:r>
-                          <a:rPr lang="en-US" altLang="zh-CN" i="1">
-                            <a:latin typeface="Cambria Math" panose="02040503050406030204" pitchFamily="18" charset="0"/>
-                          </a:rPr>
-                          <m:t>,</m:t>
-                        </m:r>
-                        <m:r>
-                          <a:rPr lang="en-US" altLang="zh-CN" i="1">
-                            <a:latin typeface="Cambria Math" panose="02040503050406030204" pitchFamily="18" charset="0"/>
-                          </a:rPr>
-                          <m:t>2</m:t>
+                          <m:t>1,2</m:t>
                         </m:r>
                       </m:sub>
                     </m:sSub>
@@ -5712,7 +5688,7 @@
             </p:txBody>
           </p:sp>
         </mc:Choice>
-        <mc:Fallback>
+        <mc:Fallback xmlns="">
           <p:sp>
             <p:nvSpPr>
               <p:cNvPr id="9" name="文本框 8">
@@ -6268,8 +6244,8 @@
           </a:p>
         </p:txBody>
       </p:sp>
-      <mc:AlternateContent xmlns:mc="http://schemas.openxmlformats.org/markup-compatibility/2006">
-        <mc:Choice xmlns:a14="http://schemas.microsoft.com/office/drawing/2010/main" Requires="a14">
+      <mc:AlternateContent xmlns:mc="http://schemas.openxmlformats.org/markup-compatibility/2006" xmlns:a14="http://schemas.microsoft.com/office/drawing/2010/main">
+        <mc:Choice Requires="a14">
           <p:sp>
             <p:nvSpPr>
               <p:cNvPr id="6" name="文本框 5">
@@ -6488,13 +6464,7 @@
                         <a:rPr lang="en-US" altLang="zh-CN" sz="2000">
                           <a:latin typeface="Cambria Math" panose="02040503050406030204" pitchFamily="18" charset="0"/>
                         </a:rPr>
-                        <m:t>(</m:t>
-                      </m:r>
-                      <m:r>
-                        <a:rPr lang="en-US" altLang="zh-CN" sz="2000">
-                          <a:latin typeface="Cambria Math" panose="02040503050406030204" pitchFamily="18" charset="0"/>
-                        </a:rPr>
-                        <m:t>1−</m:t>
+                        <m:t>(1−</m:t>
                       </m:r>
                       <m:f>
                         <m:fPr>
@@ -6539,19 +6509,15 @@
                 <a:endParaRPr lang="en-US" altLang="zh-CN" sz="2000" dirty="0"/>
               </a:p>
               <a:p>
-                <a:pPr/>
                 <a:endParaRPr lang="en-US" altLang="zh-CN" sz="2000" dirty="0"/>
               </a:p>
               <a:p>
-                <a:pPr/>
                 <a:endParaRPr lang="en-US" altLang="zh-CN" sz="2000" dirty="0"/>
               </a:p>
               <a:p>
-                <a:pPr/>
                 <a:endParaRPr lang="en-US" altLang="zh-CN" sz="2000" dirty="0"/>
               </a:p>
               <a:p>
-                <a:pPr/>
                 <a:r>
                   <a:rPr lang="en-US" altLang="zh-CN" sz="2000" dirty="0" err="1"/>
                   <a:t>Matlab</a:t>
@@ -6659,13 +6625,12 @@
                 </a:r>
               </a:p>
               <a:p>
-                <a:pPr/>
                 <a:endParaRPr lang="en-US" altLang="zh-CN" sz="2000" dirty="0"/>
               </a:p>
             </p:txBody>
           </p:sp>
         </mc:Choice>
-        <mc:Fallback>
+        <mc:Fallback xmlns="">
           <p:sp>
             <p:nvSpPr>
               <p:cNvPr id="6" name="文本框 5">
@@ -7194,7 +7159,6 @@
             </a:r>
           </a:p>
           <a:p>
-            <a:pPr/>
             <a:r>
               <a:rPr lang="en-US" altLang="zh-CN" dirty="0"/>
               <a:t>----------------------</a:t>
@@ -7649,8 +7613,8 @@
           </a:prstGeom>
         </p:spPr>
       </p:pic>
-      <mc:AlternateContent xmlns:mc="http://schemas.openxmlformats.org/markup-compatibility/2006">
-        <mc:Choice xmlns:a14="http://schemas.microsoft.com/office/drawing/2010/main" Requires="a14">
+      <mc:AlternateContent xmlns:mc="http://schemas.openxmlformats.org/markup-compatibility/2006" xmlns:a14="http://schemas.microsoft.com/office/drawing/2010/main">
+        <mc:Choice Requires="a14">
           <p:sp>
             <p:nvSpPr>
               <p:cNvPr id="7" name="文本框 6">
@@ -7810,7 +7774,7 @@
             </p:txBody>
           </p:sp>
         </mc:Choice>
-        <mc:Fallback>
+        <mc:Fallback xmlns="">
           <p:sp>
             <p:nvSpPr>
               <p:cNvPr id="7" name="文本框 6">
@@ -8418,8 +8382,8 @@
           </a:prstGeom>
         </p:spPr>
       </p:pic>
-      <mc:AlternateContent xmlns:mc="http://schemas.openxmlformats.org/markup-compatibility/2006">
-        <mc:Choice xmlns:a14="http://schemas.microsoft.com/office/drawing/2010/main" Requires="a14">
+      <mc:AlternateContent xmlns:mc="http://schemas.openxmlformats.org/markup-compatibility/2006" xmlns:a14="http://schemas.microsoft.com/office/drawing/2010/main">
+        <mc:Choice Requires="a14">
           <p:sp>
             <p:nvSpPr>
               <p:cNvPr id="6" name="文本框 5">
@@ -8526,7 +8490,7 @@
             </p:txBody>
           </p:sp>
         </mc:Choice>
-        <mc:Fallback>
+        <mc:Fallback xmlns="">
           <p:sp>
             <p:nvSpPr>
               <p:cNvPr id="6" name="文本框 5">
